--- a/2023/2023-03/2023-03-08/problem.pptx
+++ b/2023/2023-03/2023-03-08/problem.pptx
@@ -443,7 +443,7 @@
           <a:p>
             <a:fld id="{13CAB402-B863-4AA4-B7CA-C5BADD25EDE0}" type="datetimeFigureOut">
               <a:rPr lang="en-US" smtClean="0"/>
-              <a:t>3/30/2023</a:t>
+              <a:t>4/30/2023</a:t>
             </a:fld>
             <a:endParaRPr lang="en-US"/>
           </a:p>
@@ -767,7 +767,7 @@
           <a:p>
             <a:fld id="{13CAB402-B863-4AA4-B7CA-C5BADD25EDE0}" type="datetimeFigureOut">
               <a:rPr lang="en-US" smtClean="0"/>
-              <a:t>3/30/2023</a:t>
+              <a:t>4/30/2023</a:t>
             </a:fld>
             <a:endParaRPr lang="en-US"/>
           </a:p>
@@ -1015,7 +1015,7 @@
           <a:p>
             <a:fld id="{13CAB402-B863-4AA4-B7CA-C5BADD25EDE0}" type="datetimeFigureOut">
               <a:rPr lang="en-US" smtClean="0"/>
-              <a:t>3/30/2023</a:t>
+              <a:t>4/30/2023</a:t>
             </a:fld>
             <a:endParaRPr lang="en-US"/>
           </a:p>
@@ -1354,7 +1354,7 @@
           <a:p>
             <a:fld id="{13CAB402-B863-4AA4-B7CA-C5BADD25EDE0}" type="datetimeFigureOut">
               <a:rPr lang="en-US" smtClean="0"/>
-              <a:t>3/30/2023</a:t>
+              <a:t>4/30/2023</a:t>
             </a:fld>
             <a:endParaRPr lang="en-US"/>
           </a:p>
@@ -1701,7 +1701,7 @@
           <a:p>
             <a:fld id="{13CAB402-B863-4AA4-B7CA-C5BADD25EDE0}" type="datetimeFigureOut">
               <a:rPr lang="en-US" smtClean="0"/>
-              <a:t>3/30/2023</a:t>
+              <a:t>4/30/2023</a:t>
             </a:fld>
             <a:endParaRPr lang="en-US"/>
           </a:p>
@@ -2075,7 +2075,7 @@
           <a:p>
             <a:fld id="{13CAB402-B863-4AA4-B7CA-C5BADD25EDE0}" type="datetimeFigureOut">
               <a:rPr lang="en-US" smtClean="0"/>
-              <a:t>3/30/2023</a:t>
+              <a:t>4/30/2023</a:t>
             </a:fld>
             <a:endParaRPr lang="en-US"/>
           </a:p>
@@ -2545,7 +2545,7 @@
           <a:p>
             <a:fld id="{13CAB402-B863-4AA4-B7CA-C5BADD25EDE0}" type="datetimeFigureOut">
               <a:rPr lang="en-US" smtClean="0"/>
-              <a:t>3/30/2023</a:t>
+              <a:t>4/30/2023</a:t>
             </a:fld>
             <a:endParaRPr lang="en-US"/>
           </a:p>
@@ -2750,7 +2750,7 @@
           <a:p>
             <a:fld id="{13CAB402-B863-4AA4-B7CA-C5BADD25EDE0}" type="datetimeFigureOut">
               <a:rPr lang="en-US" smtClean="0"/>
-              <a:t>3/30/2023</a:t>
+              <a:t>4/30/2023</a:t>
             </a:fld>
             <a:endParaRPr lang="en-US"/>
           </a:p>
@@ -2961,7 +2961,7 @@
           <a:p>
             <a:fld id="{13CAB402-B863-4AA4-B7CA-C5BADD25EDE0}" type="datetimeFigureOut">
               <a:rPr lang="en-US" smtClean="0"/>
-              <a:t>3/30/2023</a:t>
+              <a:t>4/30/2023</a:t>
             </a:fld>
             <a:endParaRPr lang="en-US"/>
           </a:p>
@@ -3193,7 +3193,7 @@
           <a:p>
             <a:fld id="{13CAB402-B863-4AA4-B7CA-C5BADD25EDE0}" type="datetimeFigureOut">
               <a:rPr lang="en-US" smtClean="0"/>
-              <a:t>3/30/2023</a:t>
+              <a:t>4/30/2023</a:t>
             </a:fld>
             <a:endParaRPr lang="en-US"/>
           </a:p>
@@ -3441,7 +3441,7 @@
           <a:p>
             <a:fld id="{13CAB402-B863-4AA4-B7CA-C5BADD25EDE0}" type="datetimeFigureOut">
               <a:rPr lang="en-US" smtClean="0"/>
-              <a:t>3/30/2023</a:t>
+              <a:t>4/30/2023</a:t>
             </a:fld>
             <a:endParaRPr lang="en-US"/>
           </a:p>
@@ -3739,7 +3739,7 @@
           <a:p>
             <a:fld id="{13CAB402-B863-4AA4-B7CA-C5BADD25EDE0}" type="datetimeFigureOut">
               <a:rPr lang="en-US" smtClean="0"/>
-              <a:t>3/30/2023</a:t>
+              <a:t>4/30/2023</a:t>
             </a:fld>
             <a:endParaRPr lang="en-US"/>
           </a:p>
@@ -4133,7 +4133,7 @@
           <a:p>
             <a:fld id="{13CAB402-B863-4AA4-B7CA-C5BADD25EDE0}" type="datetimeFigureOut">
               <a:rPr lang="en-US" smtClean="0"/>
-              <a:t>3/30/2023</a:t>
+              <a:t>4/30/2023</a:t>
             </a:fld>
             <a:endParaRPr lang="en-US"/>
           </a:p>
@@ -4282,7 +4282,7 @@
           <a:p>
             <a:fld id="{13CAB402-B863-4AA4-B7CA-C5BADD25EDE0}" type="datetimeFigureOut">
               <a:rPr lang="en-US" smtClean="0"/>
-              <a:t>3/30/2023</a:t>
+              <a:t>4/30/2023</a:t>
             </a:fld>
             <a:endParaRPr lang="en-US"/>
           </a:p>
@@ -4408,7 +4408,7 @@
           <a:p>
             <a:fld id="{13CAB402-B863-4AA4-B7CA-C5BADD25EDE0}" type="datetimeFigureOut">
               <a:rPr lang="en-US" smtClean="0"/>
-              <a:t>3/30/2023</a:t>
+              <a:t>4/30/2023</a:t>
             </a:fld>
             <a:endParaRPr lang="en-US"/>
           </a:p>
@@ -4663,7 +4663,7 @@
           <a:p>
             <a:fld id="{13CAB402-B863-4AA4-B7CA-C5BADD25EDE0}" type="datetimeFigureOut">
               <a:rPr lang="en-US" smtClean="0"/>
-              <a:t>3/30/2023</a:t>
+              <a:t>4/30/2023</a:t>
             </a:fld>
             <a:endParaRPr lang="en-US"/>
           </a:p>
@@ -4978,7 +4978,7 @@
           <a:p>
             <a:fld id="{13CAB402-B863-4AA4-B7CA-C5BADD25EDE0}" type="datetimeFigureOut">
               <a:rPr lang="en-US" smtClean="0"/>
-              <a:t>3/30/2023</a:t>
+              <a:t>4/30/2023</a:t>
             </a:fld>
             <a:endParaRPr lang="en-US"/>
           </a:p>
@@ -5329,7 +5329,7 @@
           <a:p>
             <a:fld id="{13CAB402-B863-4AA4-B7CA-C5BADD25EDE0}" type="datetimeFigureOut">
               <a:rPr lang="en-US" smtClean="0"/>
-              <a:t>3/30/2023</a:t>
+              <a:t>4/30/2023</a:t>
             </a:fld>
             <a:endParaRPr lang="en-US"/>
           </a:p>
@@ -5935,13 +5935,21 @@
           <a:p>
             <a:r>
               <a:rPr lang="en-US" dirty="0"/>
-              <a:t>There are total 40 robot arms.</a:t>
-            </a:r>
-          </a:p>
-          <a:p>
+              <a:t>There are total </a:t>
+            </a:r>
+            <a:r>
+              <a:rPr lang="en-US"/>
+              <a:t>40 robotic </a:t>
+            </a:r>
             <a:r>
               <a:rPr lang="en-US" dirty="0"/>
-              <a:t>How many good robots and broken robots in the factory?</a:t>
+              <a:t>arms.</a:t>
+            </a:r>
+          </a:p>
+          <a:p>
+            <a:r>
+              <a:rPr lang="en-US" dirty="0"/>
+              <a:t>How many good robots and broken robots are there in the factory?</a:t>
             </a:r>
           </a:p>
         </p:txBody>

--- a/2023/2023-03/2023-03-08/problem.pptx
+++ b/2023/2023-03/2023-03-08/problem.pptx
@@ -5923,7 +5923,15 @@
           <a:p>
             <a:r>
               <a:rPr lang="en-US" dirty="0"/>
-              <a:t>There are total 30 robots in factory.</a:t>
+              <a:t>There are total 30 robots </a:t>
+            </a:r>
+            <a:r>
+              <a:rPr lang="en-US"/>
+              <a:t>in a factory</a:t>
+            </a:r>
+            <a:r>
+              <a:rPr lang="en-US" dirty="0"/>
+              <a:t>.</a:t>
             </a:r>
           </a:p>
           <a:p>
@@ -5935,15 +5943,7 @@
           <a:p>
             <a:r>
               <a:rPr lang="en-US" dirty="0"/>
-              <a:t>There are total </a:t>
-            </a:r>
-            <a:r>
-              <a:rPr lang="en-US"/>
-              <a:t>40 robotic </a:t>
-            </a:r>
-            <a:r>
-              <a:rPr lang="en-US" dirty="0"/>
-              <a:t>arms.</a:t>
+              <a:t>There are total 40 robotic arms.</a:t>
             </a:r>
           </a:p>
           <a:p>
